--- a/MeetUp 24-03-206 net core aspnet core/Meetup24-03-2016.pptx
+++ b/MeetUp 24-03-206 net core aspnet core/Meetup24-03-2016.pptx
@@ -5,7 +5,7 @@
     <p:sldMasterId id="2147483678" r:id="rId1"/>
   </p:sldMasterIdLst>
   <p:notesMasterIdLst>
-    <p:notesMasterId r:id="rId10"/>
+    <p:notesMasterId r:id="rId11"/>
   </p:notesMasterIdLst>
   <p:sldIdLst>
     <p:sldId id="256" r:id="rId2"/>
@@ -15,7 +15,8 @@
     <p:sldId id="262" r:id="rId6"/>
     <p:sldId id="263" r:id="rId7"/>
     <p:sldId id="260" r:id="rId8"/>
-    <p:sldId id="261" r:id="rId9"/>
+    <p:sldId id="264" r:id="rId9"/>
+    <p:sldId id="261" r:id="rId10"/>
   </p:sldIdLst>
   <p:sldSz cx="12192000" cy="6858000"/>
   <p:notesSz cx="6858000" cy="9144000"/>
@@ -215,7 +216,7 @@
           <a:p>
             <a:fld id="{3B9BFD26-3B6D-42C5-BD0F-C45581ADE71D}" type="datetimeFigureOut">
               <a:rPr lang="en-US"/>
-              <a:t>3/20/2016</a:t>
+              <a:t>3/22/2016</a:t>
             </a:fld>
             <a:endParaRPr lang="en-US"/>
           </a:p>
@@ -799,7 +800,7 @@
           <a:p>
             <a:fld id="{0203E767-AC7A-43A3-BE0F-F2AE116D7067}" type="slidenum">
               <a:rPr lang="en-US"/>
-              <a:t>6</a:t>
+              <a:t>7</a:t>
             </a:fld>
             <a:endParaRPr lang="en-US"/>
           </a:p>
@@ -809,6 +810,90 @@
     <p:extLst>
       <p:ext uri="{BB962C8B-B14F-4D97-AF65-F5344CB8AC3E}">
         <p14:creationId xmlns:p14="http://schemas.microsoft.com/office/powerpoint/2010/main" val="1252735242"/>
+      </p:ext>
+    </p:extLst>
+  </p:cSld>
+  <p:clrMapOvr>
+    <a:masterClrMapping/>
+  </p:clrMapOvr>
+</p:notes>
+</file>
+
+<file path=ppt/notesSlides/notesSlide5.xml><?xml version="1.0" encoding="utf-8"?>
+<p:notes xmlns:a="http://schemas.openxmlformats.org/drawingml/2006/main" xmlns:r="http://schemas.openxmlformats.org/officeDocument/2006/relationships" xmlns:p="http://schemas.openxmlformats.org/presentationml/2006/main">
+  <p:cSld>
+    <p:spTree>
+      <p:nvGrpSpPr>
+        <p:cNvPr id="1" name=""/>
+        <p:cNvGrpSpPr/>
+        <p:nvPr/>
+      </p:nvGrpSpPr>
+      <p:grpSpPr>
+        <a:xfrm>
+          <a:off x="0" y="0"/>
+          <a:ext cx="0" cy="0"/>
+          <a:chOff x="0" y="0"/>
+          <a:chExt cx="0" cy="0"/>
+        </a:xfrm>
+      </p:grpSpPr>
+      <p:sp>
+        <p:nvSpPr>
+          <p:cNvPr id="2" name="Slide Image Placeholder 1"/>
+          <p:cNvSpPr>
+            <a:spLocks noGrp="1" noRot="1" noChangeAspect="1"/>
+          </p:cNvSpPr>
+          <p:nvPr>
+            <p:ph type="sldImg"/>
+          </p:nvPr>
+        </p:nvSpPr>
+        <p:spPr/>
+      </p:sp>
+      <p:sp>
+        <p:nvSpPr>
+          <p:cNvPr id="3" name="Notes Placeholder 2"/>
+          <p:cNvSpPr>
+            <a:spLocks noGrp="1"/>
+          </p:cNvSpPr>
+          <p:nvPr>
+            <p:ph type="body" idx="1"/>
+          </p:nvPr>
+        </p:nvSpPr>
+        <p:spPr/>
+        <p:txBody>
+          <a:bodyPr/>
+          <a:lstStyle/>
+          <a:p>
+            <a:endParaRPr lang="en-US"/>
+          </a:p>
+        </p:txBody>
+      </p:sp>
+      <p:sp>
+        <p:nvSpPr>
+          <p:cNvPr id="4" name="Slide Number Placeholder 3"/>
+          <p:cNvSpPr>
+            <a:spLocks noGrp="1"/>
+          </p:cNvSpPr>
+          <p:nvPr>
+            <p:ph type="sldNum" sz="quarter" idx="10"/>
+          </p:nvPr>
+        </p:nvSpPr>
+        <p:spPr/>
+        <p:txBody>
+          <a:bodyPr/>
+          <a:lstStyle/>
+          <a:p>
+            <a:fld id="{0203E767-AC7A-43A3-BE0F-F2AE116D7067}" type="slidenum">
+              <a:rPr lang="en-US"/>
+              <a:t>6</a:t>
+            </a:fld>
+            <a:endParaRPr lang="en-US"/>
+          </a:p>
+        </p:txBody>
+      </p:sp>
+    </p:spTree>
+    <p:extLst>
+      <p:ext uri="{BB962C8B-B14F-4D97-AF65-F5344CB8AC3E}">
+        <p14:creationId xmlns:p14="http://schemas.microsoft.com/office/powerpoint/2010/main" val="827186019"/>
       </p:ext>
     </p:extLst>
   </p:cSld>
@@ -949,7 +1034,7 @@
           <a:p>
             <a:fld id="{57EECDCE-D2B3-42DA-89CA-3F4E490F6CDF}" type="datetimeFigureOut">
               <a:rPr lang="el-GR" smtClean="0"/>
-              <a:t>20/3/2016</a:t>
+              <a:t>22/3/2016</a:t>
             </a:fld>
             <a:endParaRPr lang="el-GR"/>
           </a:p>
@@ -1119,7 +1204,7 @@
           <a:p>
             <a:fld id="{57EECDCE-D2B3-42DA-89CA-3F4E490F6CDF}" type="datetimeFigureOut">
               <a:rPr lang="el-GR" smtClean="0"/>
-              <a:t>20/3/2016</a:t>
+              <a:t>22/3/2016</a:t>
             </a:fld>
             <a:endParaRPr lang="el-GR"/>
           </a:p>
@@ -1299,7 +1384,7 @@
           <a:p>
             <a:fld id="{57EECDCE-D2B3-42DA-89CA-3F4E490F6CDF}" type="datetimeFigureOut">
               <a:rPr lang="el-GR" smtClean="0"/>
-              <a:t>20/3/2016</a:t>
+              <a:t>22/3/2016</a:t>
             </a:fld>
             <a:endParaRPr lang="el-GR"/>
           </a:p>
@@ -1469,7 +1554,7 @@
           <a:p>
             <a:fld id="{57EECDCE-D2B3-42DA-89CA-3F4E490F6CDF}" type="datetimeFigureOut">
               <a:rPr lang="el-GR" smtClean="0"/>
-              <a:t>20/3/2016</a:t>
+              <a:t>22/3/2016</a:t>
             </a:fld>
             <a:endParaRPr lang="el-GR"/>
           </a:p>
@@ -1715,7 +1800,7 @@
           <a:p>
             <a:fld id="{57EECDCE-D2B3-42DA-89CA-3F4E490F6CDF}" type="datetimeFigureOut">
               <a:rPr lang="el-GR" smtClean="0"/>
-              <a:t>20/3/2016</a:t>
+              <a:t>22/3/2016</a:t>
             </a:fld>
             <a:endParaRPr lang="el-GR"/>
           </a:p>
@@ -1947,7 +2032,7 @@
           <a:p>
             <a:fld id="{57EECDCE-D2B3-42DA-89CA-3F4E490F6CDF}" type="datetimeFigureOut">
               <a:rPr lang="el-GR" smtClean="0"/>
-              <a:t>20/3/2016</a:t>
+              <a:t>22/3/2016</a:t>
             </a:fld>
             <a:endParaRPr lang="el-GR"/>
           </a:p>
@@ -2314,7 +2399,7 @@
           <a:p>
             <a:fld id="{57EECDCE-D2B3-42DA-89CA-3F4E490F6CDF}" type="datetimeFigureOut">
               <a:rPr lang="el-GR" smtClean="0"/>
-              <a:t>20/3/2016</a:t>
+              <a:t>22/3/2016</a:t>
             </a:fld>
             <a:endParaRPr lang="el-GR"/>
           </a:p>
@@ -2432,7 +2517,7 @@
           <a:p>
             <a:fld id="{57EECDCE-D2B3-42DA-89CA-3F4E490F6CDF}" type="datetimeFigureOut">
               <a:rPr lang="el-GR" smtClean="0"/>
-              <a:t>20/3/2016</a:t>
+              <a:t>22/3/2016</a:t>
             </a:fld>
             <a:endParaRPr lang="el-GR"/>
           </a:p>
@@ -2527,7 +2612,7 @@
           <a:p>
             <a:fld id="{57EECDCE-D2B3-42DA-89CA-3F4E490F6CDF}" type="datetimeFigureOut">
               <a:rPr lang="el-GR" smtClean="0"/>
-              <a:t>20/3/2016</a:t>
+              <a:t>22/3/2016</a:t>
             </a:fld>
             <a:endParaRPr lang="el-GR"/>
           </a:p>
@@ -2804,7 +2889,7 @@
           <a:p>
             <a:fld id="{57EECDCE-D2B3-42DA-89CA-3F4E490F6CDF}" type="datetimeFigureOut">
               <a:rPr lang="el-GR" smtClean="0"/>
-              <a:t>20/3/2016</a:t>
+              <a:t>22/3/2016</a:t>
             </a:fld>
             <a:endParaRPr lang="el-GR"/>
           </a:p>
@@ -3057,7 +3142,7 @@
           <a:p>
             <a:fld id="{57EECDCE-D2B3-42DA-89CA-3F4E490F6CDF}" type="datetimeFigureOut">
               <a:rPr lang="el-GR" smtClean="0"/>
-              <a:t>20/3/2016</a:t>
+              <a:t>22/3/2016</a:t>
             </a:fld>
             <a:endParaRPr lang="el-GR"/>
           </a:p>
@@ -3270,7 +3355,7 @@
           <a:p>
             <a:fld id="{57EECDCE-D2B3-42DA-89CA-3F4E490F6CDF}" type="datetimeFigureOut">
               <a:rPr lang="el-GR" smtClean="0"/>
-              <a:t>20/3/2016</a:t>
+              <a:t>22/3/2016</a:t>
             </a:fld>
             <a:endParaRPr lang="el-GR"/>
           </a:p>
@@ -4732,6 +4817,96 @@
           <p:nvPr/>
         </p:nvPicPr>
         <p:blipFill>
+          <a:blip r:embed="rId3">
+            <a:extLst>
+              <a:ext uri="{28A0092B-C50C-407E-A947-70E740481C1C}">
+                <a14:useLocalDpi xmlns:a14="http://schemas.microsoft.com/office/drawing/2010/main" val="0"/>
+              </a:ext>
+            </a:extLst>
+          </a:blip>
+          <a:stretch>
+            <a:fillRect/>
+          </a:stretch>
+        </p:blipFill>
+        <p:spPr>
+          <a:xfrm>
+            <a:off x="5113020" y="5715000"/>
+            <a:ext cx="7078980" cy="1143000"/>
+          </a:xfrm>
+          <a:prstGeom prst="rect">
+            <a:avLst/>
+          </a:prstGeom>
+        </p:spPr>
+      </p:pic>
+      <p:pic>
+        <p:nvPicPr>
+          <p:cNvPr id="3" name="Picture 2" descr="midlewares.png"/>
+          <p:cNvPicPr>
+            <a:picLocks noChangeAspect="1"/>
+          </p:cNvPicPr>
+          <p:nvPr/>
+        </p:nvPicPr>
+        <p:blipFill>
+          <a:blip r:embed="rId4"/>
+          <a:stretch>
+            <a:fillRect/>
+          </a:stretch>
+        </p:blipFill>
+        <p:spPr>
+          <a:xfrm>
+            <a:off x="869716" y="84662"/>
+            <a:ext cx="9002712" cy="5582713"/>
+          </a:xfrm>
+          <a:prstGeom prst="rect">
+            <a:avLst/>
+          </a:prstGeom>
+          <a:ln>
+            <a:noFill/>
+          </a:ln>
+          <a:effectLst>
+            <a:softEdge rad="112500"/>
+          </a:effectLst>
+        </p:spPr>
+      </p:pic>
+    </p:spTree>
+    <p:extLst>
+      <p:ext uri="{BB962C8B-B14F-4D97-AF65-F5344CB8AC3E}">
+        <p14:creationId xmlns:p14="http://schemas.microsoft.com/office/powerpoint/2010/main" val="3424942437"/>
+      </p:ext>
+    </p:extLst>
+  </p:cSld>
+  <p:clrMapOvr>
+    <a:masterClrMapping/>
+  </p:clrMapOvr>
+</p:sld>
+</file>
+
+<file path=ppt/slides/slide9.xml><?xml version="1.0" encoding="utf-8"?>
+<p:sld xmlns:a="http://schemas.openxmlformats.org/drawingml/2006/main" xmlns:r="http://schemas.openxmlformats.org/officeDocument/2006/relationships" xmlns:p="http://schemas.openxmlformats.org/presentationml/2006/main">
+  <p:cSld>
+    <p:spTree>
+      <p:nvGrpSpPr>
+        <p:cNvPr id="1" name=""/>
+        <p:cNvGrpSpPr/>
+        <p:nvPr/>
+      </p:nvGrpSpPr>
+      <p:grpSpPr>
+        <a:xfrm>
+          <a:off x="0" y="0"/>
+          <a:ext cx="0" cy="0"/>
+          <a:chOff x="0" y="0"/>
+          <a:chExt cx="0" cy="0"/>
+        </a:xfrm>
+      </p:grpSpPr>
+      <p:pic>
+        <p:nvPicPr>
+          <p:cNvPr id="4" name="Picture 3"/>
+          <p:cNvPicPr>
+            <a:picLocks noChangeAspect="1"/>
+          </p:cNvPicPr>
+          <p:nvPr/>
+        </p:nvPicPr>
+        <p:blipFill>
           <a:blip r:embed="rId2">
             <a:extLst>
               <a:ext uri="{28A0092B-C50C-407E-A947-70E740481C1C}">
@@ -4846,6 +5021,14 @@
               <a:t>CLI</a:t>
             </a:r>
             <a:endParaRPr lang="en-US" sz="2000" dirty="0"/>
+          </a:p>
+          <a:p>
+            <a:r>
+              <a:rPr lang="en-US" sz="2000" dirty="0">
+                <a:hlinkClick r:id="rId8"/>
+              </a:rPr>
+              <a:t>Middleware documentation</a:t>
+            </a:r>
           </a:p>
           <a:p>
             <a:pPr marL="457200" lvl="1" indent="0">

--- a/MeetUp 24-03-206 net core aspnet core/Meetup24-03-2016.pptx
+++ b/MeetUp 24-03-206 net core aspnet core/Meetup24-03-2016.pptx
@@ -216,7 +216,7 @@
           <a:p>
             <a:fld id="{3B9BFD26-3B6D-42C5-BD0F-C45581ADE71D}" type="datetimeFigureOut">
               <a:rPr lang="en-US"/>
-              <a:t>3/22/2016</a:t>
+              <a:t>4/2/2016</a:t>
             </a:fld>
             <a:endParaRPr lang="en-US"/>
           </a:p>
@@ -884,7 +884,7 @@
           <a:p>
             <a:fld id="{0203E767-AC7A-43A3-BE0F-F2AE116D7067}" type="slidenum">
               <a:rPr lang="en-US"/>
-              <a:t>6</a:t>
+              <a:t>8</a:t>
             </a:fld>
             <a:endParaRPr lang="en-US"/>
           </a:p>
@@ -1034,7 +1034,7 @@
           <a:p>
             <a:fld id="{57EECDCE-D2B3-42DA-89CA-3F4E490F6CDF}" type="datetimeFigureOut">
               <a:rPr lang="el-GR" smtClean="0"/>
-              <a:t>22/3/2016</a:t>
+              <a:t>2/4/2016</a:t>
             </a:fld>
             <a:endParaRPr lang="el-GR"/>
           </a:p>
@@ -1204,7 +1204,7 @@
           <a:p>
             <a:fld id="{57EECDCE-D2B3-42DA-89CA-3F4E490F6CDF}" type="datetimeFigureOut">
               <a:rPr lang="el-GR" smtClean="0"/>
-              <a:t>22/3/2016</a:t>
+              <a:t>2/4/2016</a:t>
             </a:fld>
             <a:endParaRPr lang="el-GR"/>
           </a:p>
@@ -1384,7 +1384,7 @@
           <a:p>
             <a:fld id="{57EECDCE-D2B3-42DA-89CA-3F4E490F6CDF}" type="datetimeFigureOut">
               <a:rPr lang="el-GR" smtClean="0"/>
-              <a:t>22/3/2016</a:t>
+              <a:t>2/4/2016</a:t>
             </a:fld>
             <a:endParaRPr lang="el-GR"/>
           </a:p>
@@ -1554,7 +1554,7 @@
           <a:p>
             <a:fld id="{57EECDCE-D2B3-42DA-89CA-3F4E490F6CDF}" type="datetimeFigureOut">
               <a:rPr lang="el-GR" smtClean="0"/>
-              <a:t>22/3/2016</a:t>
+              <a:t>2/4/2016</a:t>
             </a:fld>
             <a:endParaRPr lang="el-GR"/>
           </a:p>
@@ -1800,7 +1800,7 @@
           <a:p>
             <a:fld id="{57EECDCE-D2B3-42DA-89CA-3F4E490F6CDF}" type="datetimeFigureOut">
               <a:rPr lang="el-GR" smtClean="0"/>
-              <a:t>22/3/2016</a:t>
+              <a:t>2/4/2016</a:t>
             </a:fld>
             <a:endParaRPr lang="el-GR"/>
           </a:p>
@@ -2032,7 +2032,7 @@
           <a:p>
             <a:fld id="{57EECDCE-D2B3-42DA-89CA-3F4E490F6CDF}" type="datetimeFigureOut">
               <a:rPr lang="el-GR" smtClean="0"/>
-              <a:t>22/3/2016</a:t>
+              <a:t>2/4/2016</a:t>
             </a:fld>
             <a:endParaRPr lang="el-GR"/>
           </a:p>
@@ -2399,7 +2399,7 @@
           <a:p>
             <a:fld id="{57EECDCE-D2B3-42DA-89CA-3F4E490F6CDF}" type="datetimeFigureOut">
               <a:rPr lang="el-GR" smtClean="0"/>
-              <a:t>22/3/2016</a:t>
+              <a:t>2/4/2016</a:t>
             </a:fld>
             <a:endParaRPr lang="el-GR"/>
           </a:p>
@@ -2517,7 +2517,7 @@
           <a:p>
             <a:fld id="{57EECDCE-D2B3-42DA-89CA-3F4E490F6CDF}" type="datetimeFigureOut">
               <a:rPr lang="el-GR" smtClean="0"/>
-              <a:t>22/3/2016</a:t>
+              <a:t>2/4/2016</a:t>
             </a:fld>
             <a:endParaRPr lang="el-GR"/>
           </a:p>
@@ -2612,7 +2612,7 @@
           <a:p>
             <a:fld id="{57EECDCE-D2B3-42DA-89CA-3F4E490F6CDF}" type="datetimeFigureOut">
               <a:rPr lang="el-GR" smtClean="0"/>
-              <a:t>22/3/2016</a:t>
+              <a:t>2/4/2016</a:t>
             </a:fld>
             <a:endParaRPr lang="el-GR"/>
           </a:p>
@@ -2889,7 +2889,7 @@
           <a:p>
             <a:fld id="{57EECDCE-D2B3-42DA-89CA-3F4E490F6CDF}" type="datetimeFigureOut">
               <a:rPr lang="el-GR" smtClean="0"/>
-              <a:t>22/3/2016</a:t>
+              <a:t>2/4/2016</a:t>
             </a:fld>
             <a:endParaRPr lang="el-GR"/>
           </a:p>
@@ -3142,7 +3142,7 @@
           <a:p>
             <a:fld id="{57EECDCE-D2B3-42DA-89CA-3F4E490F6CDF}" type="datetimeFigureOut">
               <a:rPr lang="el-GR" smtClean="0"/>
-              <a:t>22/3/2016</a:t>
+              <a:t>2/4/2016</a:t>
             </a:fld>
             <a:endParaRPr lang="el-GR"/>
           </a:p>
@@ -3355,7 +3355,7 @@
           <a:p>
             <a:fld id="{57EECDCE-D2B3-42DA-89CA-3F4E490F6CDF}" type="datetimeFigureOut">
               <a:rPr lang="el-GR" smtClean="0"/>
-              <a:t>22/3/2016</a:t>
+              <a:t>2/4/2016</a:t>
             </a:fld>
             <a:endParaRPr lang="el-GR"/>
           </a:p>
@@ -5029,6 +5029,19 @@
               </a:rPr>
               <a:t>Middleware documentation</a:t>
             </a:r>
+            <a:endParaRPr lang="en-US" sz="2000" dirty="0"/>
+          </a:p>
+          <a:p>
+            <a:r>
+              <a:rPr lang="en-US" sz="2000" dirty="0">
+                <a:latin typeface="Calibri" charset="0"/>
+                <a:hlinkClick r:id="rId9"/>
+              </a:rPr>
+              <a:t>AllReady – Real project with asp.net core</a:t>
+            </a:r>
+            <a:endParaRPr lang="en-US" dirty="0">
+              <a:latin typeface="Calibri" charset="0"/>
+            </a:endParaRPr>
           </a:p>
           <a:p>
             <a:pPr marL="457200" lvl="1" indent="0">
